--- a/O-RAN 20230220-20230224.pptx
+++ b/O-RAN 20230220-20230224.pptx
@@ -17,10 +17,11 @@
     <p:sldId id="312" r:id="rId10"/>
     <p:sldId id="287" r:id="rId11"/>
     <p:sldId id="318" r:id="rId12"/>
-    <p:sldId id="308" r:id="rId13"/>
-    <p:sldId id="263" r:id="rId14"/>
-    <p:sldId id="264" r:id="rId15"/>
-    <p:sldId id="265" r:id="rId16"/>
+    <p:sldId id="319" r:id="rId13"/>
+    <p:sldId id="308" r:id="rId14"/>
+    <p:sldId id="263" r:id="rId15"/>
+    <p:sldId id="264" r:id="rId16"/>
+    <p:sldId id="265" r:id="rId17"/>
   </p:sldIdLst>
   <p:sldSz cx="9906000" cy="6858000" type="A4"/>
   <p:notesSz cx="6858000" cy="9144000"/>
@@ -3542,7 +3543,7 @@
           <a:p>
             <a:r>
               <a:rPr lang="en-US" dirty="0"/>
-              <a:t>Testing In SD-RAN</a:t>
+              <a:t>Testing Kubernetes Environment</a:t>
             </a:r>
             <a:endParaRPr lang="x-none" dirty="0"/>
           </a:p>
@@ -3555,43 +3556,70 @@
             <a:spLocks noGrp="1"/>
           </p:cNvSpPr>
           <p:nvPr>
-            <p:ph idx="1"/>
+            <p:ph sz="half" idx="1"/>
           </p:nvPr>
         </p:nvSpPr>
         <p:spPr>
           <a:xfrm>
-            <a:off x="681355" y="2193925"/>
-            <a:ext cx="8543925" cy="3983355"/>
+            <a:off x="681355" y="2272665"/>
+            <a:ext cx="4210050" cy="3904615"/>
           </a:xfrm>
         </p:spPr>
         <p:txBody>
           <a:bodyPr>
-            <a:normAutofit/>
+            <a:normAutofit lnSpcReduction="20000"/>
           </a:bodyPr>
           <a:lstStyle/>
           <a:p>
             <a:r>
               <a:rPr lang="en-US" dirty="0"/>
-              <a:t>Bundle ns-o-ran into helm package</a:t>
+              <a:t>sctp-client can’t access onos-e2t sctp service</a:t>
             </a:r>
             <a:endParaRPr lang="en-US" dirty="0"/>
           </a:p>
           <a:p>
             <a:r>
               <a:rPr lang="en-US" dirty="0"/>
-              <a:t>Kubernetes pod require to define of the service</a:t>
+              <a:t>sctp-client can access onos-e2t grpc service using telnet</a:t>
             </a:r>
             <a:endParaRPr lang="en-US" dirty="0"/>
           </a:p>
           <a:p>
             <a:r>
               <a:rPr lang="en-US" dirty="0"/>
-              <a:t>We need to create dummy service to keep ns-3 pod running</a:t>
+              <a:t>ns-o-ran using sctp protocol to communicate between OpenRAN Gym and ns-3</a:t>
             </a:r>
             <a:endParaRPr lang="en-US" dirty="0"/>
           </a:p>
         </p:txBody>
       </p:sp>
+      <p:pic>
+        <p:nvPicPr>
+          <p:cNvPr id="5" name="Content Placeholder 4" descr="/home/dhs/Pictures/Screenshots/window_2023-03-02 09-41-49.pngwindow_2023-03-02 09-41-49"/>
+          <p:cNvPicPr>
+            <a:picLocks noChangeAspect="1"/>
+          </p:cNvPicPr>
+          <p:nvPr>
+            <p:ph sz="half" idx="2"/>
+          </p:nvPr>
+        </p:nvPicPr>
+        <p:blipFill>
+          <a:blip r:embed="rId1"/>
+          <a:srcRect/>
+          <a:stretch>
+            <a:fillRect/>
+          </a:stretch>
+        </p:blipFill>
+        <p:spPr>
+          <a:xfrm>
+            <a:off x="6000750" y="2814955"/>
+            <a:ext cx="2239010" cy="1532890"/>
+          </a:xfrm>
+          <a:prstGeom prst="rect">
+            <a:avLst/>
+          </a:prstGeom>
+        </p:spPr>
+      </p:pic>
       <p:sp>
         <p:nvSpPr>
           <p:cNvPr id="4" name="Content Placeholder 2"/>
@@ -3799,7 +3827,7 @@
                   <a:srgbClr val="0432FF"/>
                 </a:solidFill>
               </a:rPr>
-              <a:t>Run ns3 oran module inside Kubernetes</a:t>
+              <a:t>Testing onos-e2t and sctp client communication</a:t>
             </a:r>
             <a:endParaRPr lang="x-none" dirty="0">
               <a:solidFill>
@@ -3851,7 +3879,7 @@
           <a:p>
             <a:r>
               <a:rPr lang="en-US" dirty="0"/>
-              <a:t>Conclusion</a:t>
+              <a:t>Testing In SD-RAN</a:t>
             </a:r>
             <a:endParaRPr lang="x-none" dirty="0"/>
           </a:p>
@@ -3859,7 +3887,7 @@
       </p:sp>
       <p:sp>
         <p:nvSpPr>
-          <p:cNvPr id="3" name="Content Placeholder 2"/>
+          <p:cNvPr id="9" name="Content Placeholder 8"/>
           <p:cNvSpPr>
             <a:spLocks noGrp="1"/>
           </p:cNvSpPr>
@@ -3869,45 +3897,248 @@
         </p:nvSpPr>
         <p:spPr>
           <a:xfrm>
-            <a:off x="681038" y="1690691"/>
-            <a:ext cx="8543925" cy="4486272"/>
+            <a:off x="681355" y="2193925"/>
+            <a:ext cx="8543925" cy="3983355"/>
           </a:xfrm>
         </p:spPr>
         <p:txBody>
-          <a:bodyPr/>
-          <a:lstStyle/>
-          <a:p>
+          <a:bodyPr>
+            <a:normAutofit/>
+          </a:bodyPr>
+          <a:lstStyle/>
+          <a:p>
+            <a:r>
+              <a:rPr lang="en-US" dirty="0"/>
+              <a:t>Bundle ns-o-ran into helm package</a:t>
+            </a:r>
+            <a:endParaRPr lang="en-US" dirty="0"/>
+          </a:p>
+          <a:p>
+            <a:r>
+              <a:rPr lang="en-US" dirty="0"/>
+              <a:t>Kubernetes pod require to define of the service</a:t>
+            </a:r>
+            <a:endParaRPr lang="en-US" dirty="0"/>
+          </a:p>
+          <a:p>
+            <a:r>
+              <a:rPr lang="en-US" dirty="0"/>
+              <a:t>We need to create dummy service to keep ns-3 pod running</a:t>
+            </a:r>
+            <a:endParaRPr lang="en-US" dirty="0"/>
+          </a:p>
+        </p:txBody>
+      </p:sp>
+      <p:sp>
+        <p:nvSpPr>
+          <p:cNvPr id="4" name="Content Placeholder 2"/>
+          <p:cNvSpPr txBox="1"/>
+          <p:nvPr/>
+        </p:nvSpPr>
+        <p:spPr>
+          <a:xfrm>
+            <a:off x="863917" y="1421638"/>
+            <a:ext cx="8543925" cy="816595"/>
+          </a:xfrm>
+          <a:prstGeom prst="rect">
+            <a:avLst/>
+          </a:prstGeom>
+        </p:spPr>
+        <p:style>
+          <a:lnRef idx="1">
+            <a:schemeClr val="accent4"/>
+          </a:lnRef>
+          <a:fillRef idx="3">
+            <a:schemeClr val="accent4"/>
+          </a:fillRef>
+          <a:effectRef idx="2">
+            <a:schemeClr val="accent4"/>
+          </a:effectRef>
+          <a:fontRef idx="minor">
+            <a:schemeClr val="lt1"/>
+          </a:fontRef>
+        </p:style>
+        <p:txBody>
+          <a:bodyPr vert="horz" lIns="91440" tIns="45720" rIns="91440" bIns="45720" rtlCol="0">
+            <a:normAutofit/>
+          </a:bodyPr>
+          <a:lstStyle>
+            <a:lvl1pPr marL="228600" indent="-228600" algn="l" defTabSz="914400" rtl="0" eaLnBrk="1" latinLnBrk="0" hangingPunct="1">
+              <a:lnSpc>
+                <a:spcPct val="90000"/>
+              </a:lnSpc>
+              <a:spcBef>
+                <a:spcPts val="1000"/>
+              </a:spcBef>
+              <a:buFont typeface="Arial" panose="020B0604020202020204" pitchFamily="34" charset="0"/>
+              <a:buChar char="•"/>
+              <a:defRPr sz="2800" kern="1200">
+                <a:solidFill>
+                  <a:schemeClr val="tx1"/>
+                </a:solidFill>
+                <a:latin typeface="+mn-lt"/>
+                <a:ea typeface="+mn-ea"/>
+                <a:cs typeface="+mn-cs"/>
+              </a:defRPr>
+            </a:lvl1pPr>
+            <a:lvl2pPr marL="685800" indent="-228600" algn="l" defTabSz="914400" rtl="0" eaLnBrk="1" latinLnBrk="0" hangingPunct="1">
+              <a:lnSpc>
+                <a:spcPct val="90000"/>
+              </a:lnSpc>
+              <a:spcBef>
+                <a:spcPts val="500"/>
+              </a:spcBef>
+              <a:buFont typeface="Arial" panose="020B0604020202020204" pitchFamily="34" charset="0"/>
+              <a:buChar char="•"/>
+              <a:defRPr sz="2400" kern="1200">
+                <a:solidFill>
+                  <a:schemeClr val="tx1"/>
+                </a:solidFill>
+                <a:latin typeface="+mn-lt"/>
+                <a:ea typeface="+mn-ea"/>
+                <a:cs typeface="+mn-cs"/>
+              </a:defRPr>
+            </a:lvl2pPr>
+            <a:lvl3pPr marL="1143000" indent="-228600" algn="l" defTabSz="914400" rtl="0" eaLnBrk="1" latinLnBrk="0" hangingPunct="1">
+              <a:lnSpc>
+                <a:spcPct val="90000"/>
+              </a:lnSpc>
+              <a:spcBef>
+                <a:spcPts val="500"/>
+              </a:spcBef>
+              <a:buFont typeface="Arial" panose="020B0604020202020204" pitchFamily="34" charset="0"/>
+              <a:buChar char="•"/>
+              <a:defRPr sz="2000" kern="1200">
+                <a:solidFill>
+                  <a:schemeClr val="tx1"/>
+                </a:solidFill>
+                <a:latin typeface="+mn-lt"/>
+                <a:ea typeface="+mn-ea"/>
+                <a:cs typeface="+mn-cs"/>
+              </a:defRPr>
+            </a:lvl3pPr>
+            <a:lvl4pPr marL="1600200" indent="-228600" algn="l" defTabSz="914400" rtl="0" eaLnBrk="1" latinLnBrk="0" hangingPunct="1">
+              <a:lnSpc>
+                <a:spcPct val="90000"/>
+              </a:lnSpc>
+              <a:spcBef>
+                <a:spcPts val="500"/>
+              </a:spcBef>
+              <a:buFont typeface="Arial" panose="020B0604020202020204" pitchFamily="34" charset="0"/>
+              <a:buChar char="•"/>
+              <a:defRPr sz="1800" kern="1200">
+                <a:solidFill>
+                  <a:schemeClr val="tx1"/>
+                </a:solidFill>
+                <a:latin typeface="+mn-lt"/>
+                <a:ea typeface="+mn-ea"/>
+                <a:cs typeface="+mn-cs"/>
+              </a:defRPr>
+            </a:lvl4pPr>
+            <a:lvl5pPr marL="2057400" indent="-228600" algn="l" defTabSz="914400" rtl="0" eaLnBrk="1" latinLnBrk="0" hangingPunct="1">
+              <a:lnSpc>
+                <a:spcPct val="90000"/>
+              </a:lnSpc>
+              <a:spcBef>
+                <a:spcPts val="500"/>
+              </a:spcBef>
+              <a:buFont typeface="Arial" panose="020B0604020202020204" pitchFamily="34" charset="0"/>
+              <a:buChar char="•"/>
+              <a:defRPr sz="1800" kern="1200">
+                <a:solidFill>
+                  <a:schemeClr val="tx1"/>
+                </a:solidFill>
+                <a:latin typeface="+mn-lt"/>
+                <a:ea typeface="+mn-ea"/>
+                <a:cs typeface="+mn-cs"/>
+              </a:defRPr>
+            </a:lvl5pPr>
+            <a:lvl6pPr marL="2514600" indent="-228600" algn="l" defTabSz="914400" rtl="0" eaLnBrk="1" latinLnBrk="0" hangingPunct="1">
+              <a:lnSpc>
+                <a:spcPct val="90000"/>
+              </a:lnSpc>
+              <a:spcBef>
+                <a:spcPts val="500"/>
+              </a:spcBef>
+              <a:buFont typeface="Arial" panose="020B0604020202020204" pitchFamily="34" charset="0"/>
+              <a:buChar char="•"/>
+              <a:defRPr sz="1800" kern="1200">
+                <a:solidFill>
+                  <a:schemeClr val="tx1"/>
+                </a:solidFill>
+                <a:latin typeface="+mn-lt"/>
+                <a:ea typeface="+mn-ea"/>
+                <a:cs typeface="+mn-cs"/>
+              </a:defRPr>
+            </a:lvl6pPr>
+            <a:lvl7pPr marL="2971800" indent="-228600" algn="l" defTabSz="914400" rtl="0" eaLnBrk="1" latinLnBrk="0" hangingPunct="1">
+              <a:lnSpc>
+                <a:spcPct val="90000"/>
+              </a:lnSpc>
+              <a:spcBef>
+                <a:spcPts val="500"/>
+              </a:spcBef>
+              <a:buFont typeface="Arial" panose="020B0604020202020204" pitchFamily="34" charset="0"/>
+              <a:buChar char="•"/>
+              <a:defRPr sz="1800" kern="1200">
+                <a:solidFill>
+                  <a:schemeClr val="tx1"/>
+                </a:solidFill>
+                <a:latin typeface="+mn-lt"/>
+                <a:ea typeface="+mn-ea"/>
+                <a:cs typeface="+mn-cs"/>
+              </a:defRPr>
+            </a:lvl7pPr>
+            <a:lvl8pPr marL="3429000" indent="-228600" algn="l" defTabSz="914400" rtl="0" eaLnBrk="1" latinLnBrk="0" hangingPunct="1">
+              <a:lnSpc>
+                <a:spcPct val="90000"/>
+              </a:lnSpc>
+              <a:spcBef>
+                <a:spcPts val="500"/>
+              </a:spcBef>
+              <a:buFont typeface="Arial" panose="020B0604020202020204" pitchFamily="34" charset="0"/>
+              <a:buChar char="•"/>
+              <a:defRPr sz="1800" kern="1200">
+                <a:solidFill>
+                  <a:schemeClr val="tx1"/>
+                </a:solidFill>
+                <a:latin typeface="+mn-lt"/>
+                <a:ea typeface="+mn-ea"/>
+                <a:cs typeface="+mn-cs"/>
+              </a:defRPr>
+            </a:lvl8pPr>
+            <a:lvl9pPr marL="3886200" indent="-228600" algn="l" defTabSz="914400" rtl="0" eaLnBrk="1" latinLnBrk="0" hangingPunct="1">
+              <a:lnSpc>
+                <a:spcPct val="90000"/>
+              </a:lnSpc>
+              <a:spcBef>
+                <a:spcPts val="500"/>
+              </a:spcBef>
+              <a:buFont typeface="Arial" panose="020B0604020202020204" pitchFamily="34" charset="0"/>
+              <a:buChar char="•"/>
+              <a:defRPr sz="1800" kern="1200">
+                <a:solidFill>
+                  <a:schemeClr val="tx1"/>
+                </a:solidFill>
+                <a:latin typeface="+mn-lt"/>
+                <a:ea typeface="+mn-ea"/>
+                <a:cs typeface="+mn-cs"/>
+              </a:defRPr>
+            </a:lvl9pPr>
+          </a:lstStyle>
+          <a:p>
+            <a:pPr marL="0" indent="0">
+              <a:buNone/>
+            </a:pPr>
             <a:r>
               <a:rPr lang="en-US" dirty="0">
                 <a:solidFill>
                   <a:srgbClr val="0432FF"/>
                 </a:solidFill>
               </a:rPr>
-              <a:t>Unstable simulation using ns-o-ran with OpenRAN Gym stack.</a:t>
-            </a:r>
-            <a:endParaRPr lang="en-US" dirty="0">
-              <a:solidFill>
-                <a:srgbClr val="0432FF"/>
-              </a:solidFill>
-            </a:endParaRPr>
-          </a:p>
-          <a:p>
-            <a:r>
-              <a:rPr lang="en-US" dirty="0">
-                <a:solidFill>
-                  <a:srgbClr val="0432FF"/>
-                </a:solidFill>
-              </a:rPr>
-              <a:t>Integration between ns-o-ran with SD-RAN requires deploying ns-o-ran as Kubernetes pod.</a:t>
-            </a:r>
-            <a:endParaRPr lang="en-US" dirty="0">
-              <a:solidFill>
-                <a:srgbClr val="0432FF"/>
-              </a:solidFill>
-            </a:endParaRPr>
-          </a:p>
-          <a:p>
-            <a:endParaRPr lang="en-US" dirty="0">
+              <a:t>Run ns3 oran module inside Kubernetes</a:t>
+            </a:r>
+            <a:endParaRPr lang="x-none" dirty="0">
               <a:solidFill>
                 <a:srgbClr val="0432FF"/>
               </a:solidFill>
@@ -3957,7 +4188,7 @@
           <a:p>
             <a:r>
               <a:rPr lang="en-US" dirty="0"/>
-              <a:t>Your opinion/thought</a:t>
+              <a:t>Conclusion</a:t>
             </a:r>
             <a:endParaRPr lang="x-none" dirty="0"/>
           </a:p>
@@ -3989,7 +4220,7 @@
                   <a:srgbClr val="0432FF"/>
                 </a:solidFill>
               </a:rPr>
-              <a:t>Test connectivity between e2 termination using simple SCTP client</a:t>
+              <a:t>Unstable simulation using ns-o-ran with OpenRAN Gym stack.</a:t>
             </a:r>
             <a:endParaRPr lang="en-US" dirty="0">
               <a:solidFill>
@@ -4004,7 +4235,7 @@
                   <a:srgbClr val="0432FF"/>
                 </a:solidFill>
               </a:rPr>
-              <a:t>Enable log dashboard to gather log information easily</a:t>
+              <a:t>There are problems with sctp communication between ns-3 and onos-e2t</a:t>
             </a:r>
             <a:endParaRPr lang="en-US" dirty="0">
               <a:solidFill>
@@ -4019,8 +4250,15 @@
                   <a:srgbClr val="0432FF"/>
                 </a:solidFill>
               </a:rPr>
-              <a:t>another alternative communication, using onos-e2t grpc service to communicate with ns-3. Similar approach used by ransim tools.</a:t>
-            </a:r>
+              <a:t>Integration between ns-o-ran with SD-RAN requires deploying ns-o-ran as Kubernetes pod.</a:t>
+            </a:r>
+            <a:endParaRPr lang="en-US" dirty="0">
+              <a:solidFill>
+                <a:srgbClr val="0432FF"/>
+              </a:solidFill>
+            </a:endParaRPr>
+          </a:p>
+          <a:p>
             <a:endParaRPr lang="en-US" dirty="0">
               <a:solidFill>
                 <a:srgbClr val="0432FF"/>
@@ -4038,6 +4276,120 @@
 </file>
 
 <file path=ppt/slides/slide13.xml><?xml version="1.0" encoding="utf-8"?>
+<p:sld xmlns:a="http://schemas.openxmlformats.org/drawingml/2006/main" xmlns:r="http://schemas.openxmlformats.org/officeDocument/2006/relationships" xmlns:p="http://schemas.openxmlformats.org/presentationml/2006/main">
+  <p:cSld>
+    <p:spTree>
+      <p:nvGrpSpPr>
+        <p:cNvPr id="1" name=""/>
+        <p:cNvGrpSpPr/>
+        <p:nvPr/>
+      </p:nvGrpSpPr>
+      <p:grpSpPr>
+        <a:xfrm>
+          <a:off x="0" y="0"/>
+          <a:ext cx="0" cy="0"/>
+          <a:chOff x="0" y="0"/>
+          <a:chExt cx="0" cy="0"/>
+        </a:xfrm>
+      </p:grpSpPr>
+      <p:sp>
+        <p:nvSpPr>
+          <p:cNvPr id="2" name="Title 1"/>
+          <p:cNvSpPr>
+            <a:spLocks noGrp="1"/>
+          </p:cNvSpPr>
+          <p:nvPr>
+            <p:ph type="title"/>
+          </p:nvPr>
+        </p:nvSpPr>
+        <p:spPr/>
+        <p:txBody>
+          <a:bodyPr/>
+          <a:lstStyle/>
+          <a:p>
+            <a:r>
+              <a:rPr lang="en-US" dirty="0"/>
+              <a:t>Your opinion/thought</a:t>
+            </a:r>
+            <a:endParaRPr lang="x-none" dirty="0"/>
+          </a:p>
+        </p:txBody>
+      </p:sp>
+      <p:sp>
+        <p:nvSpPr>
+          <p:cNvPr id="3" name="Content Placeholder 2"/>
+          <p:cNvSpPr>
+            <a:spLocks noGrp="1"/>
+          </p:cNvSpPr>
+          <p:nvPr>
+            <p:ph idx="1"/>
+          </p:nvPr>
+        </p:nvSpPr>
+        <p:spPr>
+          <a:xfrm>
+            <a:off x="681038" y="1690691"/>
+            <a:ext cx="8543925" cy="4486272"/>
+          </a:xfrm>
+        </p:spPr>
+        <p:txBody>
+          <a:bodyPr/>
+          <a:lstStyle/>
+          <a:p>
+            <a:r>
+              <a:rPr lang="en-US" dirty="0">
+                <a:solidFill>
+                  <a:srgbClr val="0432FF"/>
+                </a:solidFill>
+              </a:rPr>
+              <a:t>Test connectivity between e2 termination using simple SCTP client</a:t>
+            </a:r>
+            <a:endParaRPr lang="en-US" dirty="0">
+              <a:solidFill>
+                <a:srgbClr val="0432FF"/>
+              </a:solidFill>
+            </a:endParaRPr>
+          </a:p>
+          <a:p>
+            <a:r>
+              <a:rPr lang="en-US" dirty="0">
+                <a:solidFill>
+                  <a:srgbClr val="0432FF"/>
+                </a:solidFill>
+              </a:rPr>
+              <a:t>Enable log dashboard to gather log information easily</a:t>
+            </a:r>
+            <a:endParaRPr lang="en-US" dirty="0">
+              <a:solidFill>
+                <a:srgbClr val="0432FF"/>
+              </a:solidFill>
+            </a:endParaRPr>
+          </a:p>
+          <a:p>
+            <a:r>
+              <a:rPr lang="en-US" dirty="0">
+                <a:solidFill>
+                  <a:srgbClr val="0432FF"/>
+                </a:solidFill>
+              </a:rPr>
+              <a:t>another alternative communication, using onos-e2t grpc service to communicate with ns-3. Similar approach used by ransim tools.</a:t>
+            </a:r>
+            <a:endParaRPr lang="en-US" dirty="0">
+              <a:solidFill>
+                <a:srgbClr val="0432FF"/>
+              </a:solidFill>
+            </a:endParaRPr>
+          </a:p>
+        </p:txBody>
+      </p:sp>
+    </p:spTree>
+  </p:cSld>
+  <p:clrMapOvr>
+    <a:masterClrMapping/>
+  </p:clrMapOvr>
+</p:sld>
+</file>
+
+<file path=ppt/slides/slide14.xml><?xml version="1.0" encoding="utf-8"?>
 <p:sld xmlns:a="http://schemas.openxmlformats.org/drawingml/2006/main" xmlns:r="http://schemas.openxmlformats.org/officeDocument/2006/relationships" xmlns:p="http://schemas.openxmlformats.org/presentationml/2006/main">
   <p:cSld>
     <p:spTree>
@@ -5331,7 +5683,7 @@
       </p:sp>
       <p:pic>
         <p:nvPicPr>
-          <p:cNvPr id="5" name="Content Placeholder 4" descr="window_2023-02-20 10-56-21"/>
+          <p:cNvPr id="5" name="Content Placeholder 4" descr="/home/dhs/Pictures/Screenshots/window_2023-03-02 09-38-14.pngwindow_2023-03-02 09-38-14"/>
           <p:cNvPicPr>
             <a:picLocks noChangeAspect="1"/>
           </p:cNvPicPr>
@@ -5341,14 +5693,15 @@
         </p:nvPicPr>
         <p:blipFill>
           <a:blip r:embed="rId1"/>
+          <a:srcRect/>
           <a:stretch>
             <a:fillRect/>
           </a:stretch>
         </p:blipFill>
         <p:spPr>
           <a:xfrm>
-            <a:off x="5015230" y="2458085"/>
-            <a:ext cx="4210050" cy="2213610"/>
+            <a:off x="5015230" y="2798445"/>
+            <a:ext cx="4210050" cy="1532890"/>
           </a:xfrm>
           <a:prstGeom prst="rect">
             <a:avLst/>

--- a/O-RAN 20230220-20230224.pptx
+++ b/O-RAN 20230220-20230224.pptx
@@ -4371,7 +4371,7 @@
                   <a:srgbClr val="0432FF"/>
                 </a:solidFill>
               </a:rPr>
-              <a:t>another alternative communication, using onos-e2t grpc service to communicate with ns-3. Similar approach used by ransim tools.</a:t>
+              <a:t>another alternative communication, using onos-e2t grpc service to communicate with ns-3.</a:t>
             </a:r>
             <a:endParaRPr lang="en-US" dirty="0">
               <a:solidFill>

--- a/O-RAN 20230220-20230224.pptx
+++ b/O-RAN 20230220-20230224.pptx
@@ -5640,7 +5640,7 @@
         </p:spPr>
         <p:txBody>
           <a:bodyPr>
-            <a:normAutofit fontScale="90000" lnSpcReduction="20000"/>
+            <a:normAutofit fontScale="90000"/>
           </a:bodyPr>
           <a:lstStyle/>
           <a:p>
@@ -5653,14 +5653,7 @@
           <a:p>
             <a:r>
               <a:rPr lang="en-US" dirty="0"/>
-              <a:t>SCTP protocol based on UDP protocol</a:t>
-            </a:r>
-            <a:endParaRPr lang="en-US" dirty="0"/>
-          </a:p>
-          <a:p>
-            <a:r>
-              <a:rPr lang="en-US" dirty="0"/>
-              <a:t>Kubernetes doesn’t support port forward UDP directly</a:t>
+              <a:t>Kubernetes only support port forward TCP directly</a:t>
             </a:r>
             <a:endParaRPr lang="en-US" dirty="0"/>
           </a:p>
